--- a/clean data.pptx
+++ b/clean data.pptx
@@ -104,6 +104,11 @@
       </a:defRPr>
     </a:lvl9pPr>
   </p:defaultTextStyle>
+  <p:extLst>
+    <p:ext uri="{EFAFB233-063F-42B5-8137-9DF3F51BA10A}">
+      <p15:sldGuideLst xmlns:p15="http://schemas.microsoft.com/office/powerpoint/2012/main"/>
+    </p:ext>
+  </p:extLst>
 </p:presentation>
 </file>
 
@@ -256,7 +261,7 @@
           <a:p>
             <a:fld id="{79B886BE-4F88-7E47-8D10-9ABDDD940932}" type="datetimeFigureOut">
               <a:rPr lang="en-BH" smtClean="0"/>
-              <a:t>15/12/2024</a:t>
+              <a:t>18/12/2024</a:t>
             </a:fld>
             <a:endParaRPr lang="en-BH"/>
           </a:p>
@@ -456,7 +461,7 @@
           <a:p>
             <a:fld id="{79B886BE-4F88-7E47-8D10-9ABDDD940932}" type="datetimeFigureOut">
               <a:rPr lang="en-BH" smtClean="0"/>
-              <a:t>15/12/2024</a:t>
+              <a:t>18/12/2024</a:t>
             </a:fld>
             <a:endParaRPr lang="en-BH"/>
           </a:p>
@@ -666,7 +671,7 @@
           <a:p>
             <a:fld id="{79B886BE-4F88-7E47-8D10-9ABDDD940932}" type="datetimeFigureOut">
               <a:rPr lang="en-BH" smtClean="0"/>
-              <a:t>15/12/2024</a:t>
+              <a:t>18/12/2024</a:t>
             </a:fld>
             <a:endParaRPr lang="en-BH"/>
           </a:p>
@@ -866,7 +871,7 @@
           <a:p>
             <a:fld id="{79B886BE-4F88-7E47-8D10-9ABDDD940932}" type="datetimeFigureOut">
               <a:rPr lang="en-BH" smtClean="0"/>
-              <a:t>15/12/2024</a:t>
+              <a:t>18/12/2024</a:t>
             </a:fld>
             <a:endParaRPr lang="en-BH"/>
           </a:p>
@@ -1142,7 +1147,7 @@
           <a:p>
             <a:fld id="{79B886BE-4F88-7E47-8D10-9ABDDD940932}" type="datetimeFigureOut">
               <a:rPr lang="en-BH" smtClean="0"/>
-              <a:t>15/12/2024</a:t>
+              <a:t>18/12/2024</a:t>
             </a:fld>
             <a:endParaRPr lang="en-BH"/>
           </a:p>
@@ -1410,7 +1415,7 @@
           <a:p>
             <a:fld id="{79B886BE-4F88-7E47-8D10-9ABDDD940932}" type="datetimeFigureOut">
               <a:rPr lang="en-BH" smtClean="0"/>
-              <a:t>15/12/2024</a:t>
+              <a:t>18/12/2024</a:t>
             </a:fld>
             <a:endParaRPr lang="en-BH"/>
           </a:p>
@@ -1825,7 +1830,7 @@
           <a:p>
             <a:fld id="{79B886BE-4F88-7E47-8D10-9ABDDD940932}" type="datetimeFigureOut">
               <a:rPr lang="en-BH" smtClean="0"/>
-              <a:t>15/12/2024</a:t>
+              <a:t>18/12/2024</a:t>
             </a:fld>
             <a:endParaRPr lang="en-BH"/>
           </a:p>
@@ -1967,7 +1972,7 @@
           <a:p>
             <a:fld id="{79B886BE-4F88-7E47-8D10-9ABDDD940932}" type="datetimeFigureOut">
               <a:rPr lang="en-BH" smtClean="0"/>
-              <a:t>15/12/2024</a:t>
+              <a:t>18/12/2024</a:t>
             </a:fld>
             <a:endParaRPr lang="en-BH"/>
           </a:p>
@@ -2080,7 +2085,7 @@
           <a:p>
             <a:fld id="{79B886BE-4F88-7E47-8D10-9ABDDD940932}" type="datetimeFigureOut">
               <a:rPr lang="en-BH" smtClean="0"/>
-              <a:t>15/12/2024</a:t>
+              <a:t>18/12/2024</a:t>
             </a:fld>
             <a:endParaRPr lang="en-BH"/>
           </a:p>
@@ -2393,7 +2398,7 @@
           <a:p>
             <a:fld id="{79B886BE-4F88-7E47-8D10-9ABDDD940932}" type="datetimeFigureOut">
               <a:rPr lang="en-BH" smtClean="0"/>
-              <a:t>15/12/2024</a:t>
+              <a:t>18/12/2024</a:t>
             </a:fld>
             <a:endParaRPr lang="en-BH"/>
           </a:p>
@@ -2682,7 +2687,7 @@
           <a:p>
             <a:fld id="{79B886BE-4F88-7E47-8D10-9ABDDD940932}" type="datetimeFigureOut">
               <a:rPr lang="en-BH" smtClean="0"/>
-              <a:t>15/12/2024</a:t>
+              <a:t>18/12/2024</a:t>
             </a:fld>
             <a:endParaRPr lang="en-BH"/>
           </a:p>
@@ -2925,7 +2930,7 @@
           <a:p>
             <a:fld id="{79B886BE-4F88-7E47-8D10-9ABDDD940932}" type="datetimeFigureOut">
               <a:rPr lang="en-BH" smtClean="0"/>
-              <a:t>15/12/2024</a:t>
+              <a:t>18/12/2024</a:t>
             </a:fld>
             <a:endParaRPr lang="en-BH"/>
           </a:p>
@@ -3464,7 +3469,7 @@
         <p:spPr>
           <a:xfrm>
             <a:off x="452030" y="4865029"/>
-            <a:ext cx="3088888" cy="954107"/>
+            <a:ext cx="3088888" cy="1169551"/>
           </a:xfrm>
           <a:prstGeom prst="rect">
             <a:avLst/>
@@ -3487,7 +3492,7 @@
                 <a:latin typeface="Calibri" panose="020F0502020204030204" pitchFamily="34" charset="0"/>
                 <a:cs typeface="Calibri" panose="020F0502020204030204" pitchFamily="34" charset="0"/>
               </a:rPr>
-              <a:t>154 Stations, when merged 56 </a:t>
+              <a:t>194 Stations, when merged, 58 </a:t>
             </a:r>
           </a:p>
           <a:p>
@@ -3501,7 +3506,7 @@
                 <a:latin typeface="Calibri" panose="020F0502020204030204" pitchFamily="34" charset="0"/>
                 <a:cs typeface="Calibri" panose="020F0502020204030204" pitchFamily="34" charset="0"/>
               </a:rPr>
-              <a:t>1 million entries from </a:t>
+              <a:t>1.860M entries from </a:t>
             </a:r>
             <a:r>
               <a:rPr lang="en-US" sz="1400" b="0" i="1" dirty="0">
@@ -3542,7 +3547,7 @@
               <a:buChar char="•"/>
             </a:pPr>
             <a:r>
-              <a:rPr lang="en-US" sz="1400" b="0" i="1" dirty="0">
+              <a:rPr lang="en-US" sz="1400" b="1" i="1" dirty="0">
                 <a:effectLst/>
                 <a:latin typeface="Calibri" panose="020F0502020204030204" pitchFamily="34" charset="0"/>
                 <a:cs typeface="Calibri" panose="020F0502020204030204" pitchFamily="34" charset="0"/>
@@ -3564,7 +3569,7 @@
               <a:buChar char="•"/>
             </a:pPr>
             <a:r>
-              <a:rPr lang="en-US" sz="1400" b="0" i="1" dirty="0">
+              <a:rPr lang="en-US" sz="1400" b="1" i="1" dirty="0">
                 <a:effectLst/>
                 <a:latin typeface="Calibri" panose="020F0502020204030204" pitchFamily="34" charset="0"/>
                 <a:cs typeface="Calibri" panose="020F0502020204030204" pitchFamily="34" charset="0"/>
@@ -3577,7 +3582,7 @@
                 <a:latin typeface="Calibri" panose="020F0502020204030204" pitchFamily="34" charset="0"/>
                 <a:cs typeface="Calibri" panose="020F0502020204030204" pitchFamily="34" charset="0"/>
               </a:rPr>
-              <a:t>altitude, longitude,</a:t>
+              <a:t>altitude, longitude, latitude of the stations</a:t>
             </a:r>
           </a:p>
         </p:txBody>

--- a/clean data.pptx
+++ b/clean data.pptx
@@ -3492,7 +3492,23 @@
                 <a:latin typeface="Calibri" panose="020F0502020204030204" pitchFamily="34" charset="0"/>
                 <a:cs typeface="Calibri" panose="020F0502020204030204" pitchFamily="34" charset="0"/>
               </a:rPr>
-              <a:t>194 Stations, when merged, 58 </a:t>
+              <a:t>194 Stations, </a:t>
+            </a:r>
+            <a:r>
+              <a:rPr lang="en-US" sz="1400" b="0">
+                <a:effectLst/>
+                <a:latin typeface="Calibri" panose="020F0502020204030204" pitchFamily="34" charset="0"/>
+                <a:cs typeface="Calibri" panose="020F0502020204030204" pitchFamily="34" charset="0"/>
+              </a:rPr>
+              <a:t>when cleaned, </a:t>
+            </a:r>
+            <a:r>
+              <a:rPr lang="en-US" sz="1400" b="0" dirty="0">
+                <a:effectLst/>
+                <a:latin typeface="Calibri" panose="020F0502020204030204" pitchFamily="34" charset="0"/>
+                <a:cs typeface="Calibri" panose="020F0502020204030204" pitchFamily="34" charset="0"/>
+              </a:rPr>
+              <a:t>58 </a:t>
             </a:r>
           </a:p>
           <a:p>
